--- a/plot/ScreenshotsPlot.pptx
+++ b/plot/ScreenshotsPlot.pptx
@@ -104,6 +104,11 @@
       </a:defRPr>
     </a:lvl9pPr>
   </p:defaultTextStyle>
+  <p:extLst>
+    <p:ext uri="{EFAFB233-063F-42B5-8137-9DF3F51BA10A}">
+      <p15:sldGuideLst xmlns:p15="http://schemas.microsoft.com/office/powerpoint/2012/main"/>
+    </p:ext>
+  </p:extLst>
 </p:presentation>
 </file>
 
@@ -260,7 +265,7 @@
           <a:p>
             <a:fld id="{174F6303-18F8-43B4-B98A-A67585AB7655}" type="datetimeFigureOut">
               <a:rPr lang="de-CH" smtClean="0"/>
-              <a:t>17.10.2017</a:t>
+              <a:t>24.10.2017</a:t>
             </a:fld>
             <a:endParaRPr lang="de-CH"/>
           </a:p>
@@ -460,7 +465,7 @@
           <a:p>
             <a:fld id="{174F6303-18F8-43B4-B98A-A67585AB7655}" type="datetimeFigureOut">
               <a:rPr lang="de-CH" smtClean="0"/>
-              <a:t>17.10.2017</a:t>
+              <a:t>24.10.2017</a:t>
             </a:fld>
             <a:endParaRPr lang="de-CH"/>
           </a:p>
@@ -670,7 +675,7 @@
           <a:p>
             <a:fld id="{174F6303-18F8-43B4-B98A-A67585AB7655}" type="datetimeFigureOut">
               <a:rPr lang="de-CH" smtClean="0"/>
-              <a:t>17.10.2017</a:t>
+              <a:t>24.10.2017</a:t>
             </a:fld>
             <a:endParaRPr lang="de-CH"/>
           </a:p>
@@ -870,7 +875,7 @@
           <a:p>
             <a:fld id="{174F6303-18F8-43B4-B98A-A67585AB7655}" type="datetimeFigureOut">
               <a:rPr lang="de-CH" smtClean="0"/>
-              <a:t>17.10.2017</a:t>
+              <a:t>24.10.2017</a:t>
             </a:fld>
             <a:endParaRPr lang="de-CH"/>
           </a:p>
@@ -1146,7 +1151,7 @@
           <a:p>
             <a:fld id="{174F6303-18F8-43B4-B98A-A67585AB7655}" type="datetimeFigureOut">
               <a:rPr lang="de-CH" smtClean="0"/>
-              <a:t>17.10.2017</a:t>
+              <a:t>24.10.2017</a:t>
             </a:fld>
             <a:endParaRPr lang="de-CH"/>
           </a:p>
@@ -1414,7 +1419,7 @@
           <a:p>
             <a:fld id="{174F6303-18F8-43B4-B98A-A67585AB7655}" type="datetimeFigureOut">
               <a:rPr lang="de-CH" smtClean="0"/>
-              <a:t>17.10.2017</a:t>
+              <a:t>24.10.2017</a:t>
             </a:fld>
             <a:endParaRPr lang="de-CH"/>
           </a:p>
@@ -1829,7 +1834,7 @@
           <a:p>
             <a:fld id="{174F6303-18F8-43B4-B98A-A67585AB7655}" type="datetimeFigureOut">
               <a:rPr lang="de-CH" smtClean="0"/>
-              <a:t>17.10.2017</a:t>
+              <a:t>24.10.2017</a:t>
             </a:fld>
             <a:endParaRPr lang="de-CH"/>
           </a:p>
@@ -1971,7 +1976,7 @@
           <a:p>
             <a:fld id="{174F6303-18F8-43B4-B98A-A67585AB7655}" type="datetimeFigureOut">
               <a:rPr lang="de-CH" smtClean="0"/>
-              <a:t>17.10.2017</a:t>
+              <a:t>24.10.2017</a:t>
             </a:fld>
             <a:endParaRPr lang="de-CH"/>
           </a:p>
@@ -2084,7 +2089,7 @@
           <a:p>
             <a:fld id="{174F6303-18F8-43B4-B98A-A67585AB7655}" type="datetimeFigureOut">
               <a:rPr lang="de-CH" smtClean="0"/>
-              <a:t>17.10.2017</a:t>
+              <a:t>24.10.2017</a:t>
             </a:fld>
             <a:endParaRPr lang="de-CH"/>
           </a:p>
@@ -2397,7 +2402,7 @@
           <a:p>
             <a:fld id="{174F6303-18F8-43B4-B98A-A67585AB7655}" type="datetimeFigureOut">
               <a:rPr lang="de-CH" smtClean="0"/>
-              <a:t>17.10.2017</a:t>
+              <a:t>24.10.2017</a:t>
             </a:fld>
             <a:endParaRPr lang="de-CH"/>
           </a:p>
@@ -2686,7 +2691,7 @@
           <a:p>
             <a:fld id="{174F6303-18F8-43B4-B98A-A67585AB7655}" type="datetimeFigureOut">
               <a:rPr lang="de-CH" smtClean="0"/>
-              <a:t>17.10.2017</a:t>
+              <a:t>24.10.2017</a:t>
             </a:fld>
             <a:endParaRPr lang="de-CH"/>
           </a:p>
@@ -2929,7 +2934,7 @@
           <a:p>
             <a:fld id="{174F6303-18F8-43B4-B98A-A67585AB7655}" type="datetimeFigureOut">
               <a:rPr lang="de-CH" smtClean="0"/>
-              <a:t>17.10.2017</a:t>
+              <a:t>24.10.2017</a:t>
             </a:fld>
             <a:endParaRPr lang="de-CH"/>
           </a:p>
@@ -3348,10 +3353,10 @@
       </p:grpSpPr>
       <p:pic>
         <p:nvPicPr>
-          <p:cNvPr id="5" name="Grafik 4">
-            <a:extLst>
-              <a:ext uri="{FF2B5EF4-FFF2-40B4-BE49-F238E27FC236}">
-                <a16:creationId xmlns:a16="http://schemas.microsoft.com/office/drawing/2014/main" id="{39E6E815-9318-4024-BCD6-B92624BF5732}"/>
+          <p:cNvPr id="24" name="Grafik 23">
+            <a:extLst>
+              <a:ext uri="{FF2B5EF4-FFF2-40B4-BE49-F238E27FC236}">
+                <a16:creationId xmlns:a16="http://schemas.microsoft.com/office/drawing/2014/main" id="{8E70BBED-DE0F-4A5A-A3F6-B2E82241D50E}"/>
               </a:ext>
             </a:extLst>
           </p:cNvPr>
@@ -3374,8 +3379,163 @@
         </p:blipFill>
         <p:spPr>
           <a:xfrm>
-            <a:off x="495576" y="150742"/>
-            <a:ext cx="3818560" cy="2201324"/>
+            <a:off x="650395" y="201363"/>
+            <a:ext cx="4327233" cy="2471499"/>
+          </a:xfrm>
+          <a:prstGeom prst="rect">
+            <a:avLst/>
+          </a:prstGeom>
+          <a:ln w="12700">
+            <a:solidFill>
+              <a:schemeClr val="accent1"/>
+            </a:solidFill>
+          </a:ln>
+        </p:spPr>
+      </p:pic>
+      <p:sp>
+        <p:nvSpPr>
+          <p:cNvPr id="16" name="Textfeld 15">
+            <a:extLst>
+              <a:ext uri="{FF2B5EF4-FFF2-40B4-BE49-F238E27FC236}">
+                <a16:creationId xmlns:a16="http://schemas.microsoft.com/office/drawing/2014/main" id="{7777D144-DA34-4BC1-81CA-70F696300996}"/>
+              </a:ext>
+            </a:extLst>
+          </p:cNvPr>
+          <p:cNvSpPr txBox="1"/>
+          <p:nvPr/>
+        </p:nvSpPr>
+        <p:spPr>
+          <a:xfrm>
+            <a:off x="26381" y="70335"/>
+            <a:ext cx="377026" cy="369332"/>
+          </a:xfrm>
+          <a:prstGeom prst="rect">
+            <a:avLst/>
+          </a:prstGeom>
+          <a:noFill/>
+        </p:spPr>
+        <p:txBody>
+          <a:bodyPr wrap="none" rtlCol="0">
+            <a:spAutoFit/>
+          </a:bodyPr>
+          <a:lstStyle/>
+          <a:p>
+            <a:r>
+              <a:rPr lang="de-CH" b="1" dirty="0">
+                <a:latin typeface="Arial" panose="020B0604020202020204" pitchFamily="34" charset="0"/>
+                <a:cs typeface="Arial" panose="020B0604020202020204" pitchFamily="34" charset="0"/>
+              </a:rPr>
+              <a:t>a.</a:t>
+            </a:r>
+          </a:p>
+        </p:txBody>
+      </p:sp>
+      <p:sp>
+        <p:nvSpPr>
+          <p:cNvPr id="17" name="Textfeld 16">
+            <a:extLst>
+              <a:ext uri="{FF2B5EF4-FFF2-40B4-BE49-F238E27FC236}">
+                <a16:creationId xmlns:a16="http://schemas.microsoft.com/office/drawing/2014/main" id="{5AAD0A50-B5A7-42BD-A44D-1DE368C0E36B}"/>
+              </a:ext>
+            </a:extLst>
+          </p:cNvPr>
+          <p:cNvSpPr txBox="1"/>
+          <p:nvPr/>
+        </p:nvSpPr>
+        <p:spPr>
+          <a:xfrm>
+            <a:off x="26381" y="3470248"/>
+            <a:ext cx="389850" cy="369332"/>
+          </a:xfrm>
+          <a:prstGeom prst="rect">
+            <a:avLst/>
+          </a:prstGeom>
+          <a:noFill/>
+        </p:spPr>
+        <p:txBody>
+          <a:bodyPr wrap="none" rtlCol="0">
+            <a:spAutoFit/>
+          </a:bodyPr>
+          <a:lstStyle/>
+          <a:p>
+            <a:r>
+              <a:rPr lang="de-CH" b="1" dirty="0">
+                <a:latin typeface="Arial" panose="020B0604020202020204" pitchFamily="34" charset="0"/>
+                <a:cs typeface="Arial" panose="020B0604020202020204" pitchFamily="34" charset="0"/>
+              </a:rPr>
+              <a:t>b.</a:t>
+            </a:r>
+          </a:p>
+        </p:txBody>
+      </p:sp>
+      <p:sp>
+        <p:nvSpPr>
+          <p:cNvPr id="18" name="Textfeld 17">
+            <a:extLst>
+              <a:ext uri="{FF2B5EF4-FFF2-40B4-BE49-F238E27FC236}">
+                <a16:creationId xmlns:a16="http://schemas.microsoft.com/office/drawing/2014/main" id="{FB4C5512-1DC2-42ED-9BE2-34B2E2848C1D}"/>
+              </a:ext>
+            </a:extLst>
+          </p:cNvPr>
+          <p:cNvSpPr txBox="1"/>
+          <p:nvPr/>
+        </p:nvSpPr>
+        <p:spPr>
+          <a:xfrm>
+            <a:off x="6268861" y="1620460"/>
+            <a:ext cx="377026" cy="369332"/>
+          </a:xfrm>
+          <a:prstGeom prst="rect">
+            <a:avLst/>
+          </a:prstGeom>
+          <a:noFill/>
+        </p:spPr>
+        <p:txBody>
+          <a:bodyPr wrap="none" rtlCol="0">
+            <a:spAutoFit/>
+          </a:bodyPr>
+          <a:lstStyle/>
+          <a:p>
+            <a:r>
+              <a:rPr lang="de-CH" b="1" dirty="0">
+                <a:latin typeface="Arial" panose="020B0604020202020204" pitchFamily="34" charset="0"/>
+                <a:cs typeface="Arial" panose="020B0604020202020204" pitchFamily="34" charset="0"/>
+              </a:rPr>
+              <a:t>c.</a:t>
+            </a:r>
+          </a:p>
+        </p:txBody>
+      </p:sp>
+      <p:pic>
+        <p:nvPicPr>
+          <p:cNvPr id="26" name="Grafik 25">
+            <a:extLst>
+              <a:ext uri="{FF2B5EF4-FFF2-40B4-BE49-F238E27FC236}">
+                <a16:creationId xmlns:a16="http://schemas.microsoft.com/office/drawing/2014/main" id="{E7D2A43E-0CFE-4734-AE9E-E62B638F456E}"/>
+              </a:ext>
+            </a:extLst>
+          </p:cNvPr>
+          <p:cNvPicPr>
+            <a:picLocks noChangeAspect="1"/>
+          </p:cNvPicPr>
+          <p:nvPr/>
+        </p:nvPicPr>
+        <p:blipFill>
+          <a:blip r:embed="rId3">
+            <a:extLst>
+              <a:ext uri="{28A0092B-C50C-407E-A947-70E740481C1C}">
+                <a14:useLocalDpi xmlns:a14="http://schemas.microsoft.com/office/drawing/2010/main" val="0"/>
+              </a:ext>
+            </a:extLst>
+          </a:blip>
+          <a:stretch>
+            <a:fillRect/>
+          </a:stretch>
+        </p:blipFill>
+        <p:spPr>
+          <a:xfrm>
+            <a:off x="1614308" y="2018379"/>
+            <a:ext cx="4654553" cy="1248524"/>
           </a:xfrm>
           <a:prstGeom prst="rect">
             <a:avLst/>
@@ -3389,10 +3549,10 @@
       </p:pic>
       <p:pic>
         <p:nvPicPr>
-          <p:cNvPr id="7" name="Grafik 6">
-            <a:extLst>
-              <a:ext uri="{FF2B5EF4-FFF2-40B4-BE49-F238E27FC236}">
-                <a16:creationId xmlns:a16="http://schemas.microsoft.com/office/drawing/2014/main" id="{19F04D89-C8BA-4ACF-A5E7-B2756EEF6338}"/>
+          <p:cNvPr id="28" name="Grafik 27">
+            <a:extLst>
+              <a:ext uri="{FF2B5EF4-FFF2-40B4-BE49-F238E27FC236}">
+                <a16:creationId xmlns:a16="http://schemas.microsoft.com/office/drawing/2014/main" id="{276F6F71-FAD4-4E14-8BB0-F3EEDEE3C54F}"/>
               </a:ext>
             </a:extLst>
           </p:cNvPr>
@@ -3402,7 +3562,7 @@
           <p:nvPr/>
         </p:nvPicPr>
         <p:blipFill>
-          <a:blip r:embed="rId3">
+          <a:blip r:embed="rId4">
             <a:extLst>
               <a:ext uri="{28A0092B-C50C-407E-A947-70E740481C1C}">
                 <a14:useLocalDpi xmlns:a14="http://schemas.microsoft.com/office/drawing/2010/main" val="0"/>
@@ -3415,8 +3575,8 @@
         </p:blipFill>
         <p:spPr>
           <a:xfrm>
-            <a:off x="1808801" y="1620460"/>
-            <a:ext cx="4213072" cy="1789624"/>
+            <a:off x="650394" y="3541968"/>
+            <a:ext cx="4429301" cy="2480763"/>
           </a:xfrm>
           <a:prstGeom prst="rect">
             <a:avLst/>
@@ -3430,10 +3590,10 @@
       </p:pic>
       <p:pic>
         <p:nvPicPr>
-          <p:cNvPr id="9" name="Grafik 8">
-            <a:extLst>
-              <a:ext uri="{FF2B5EF4-FFF2-40B4-BE49-F238E27FC236}">
-                <a16:creationId xmlns:a16="http://schemas.microsoft.com/office/drawing/2014/main" id="{471EBE46-EB64-453A-8D84-2AA27B06F041}"/>
+          <p:cNvPr id="30" name="Grafik 29">
+            <a:extLst>
+              <a:ext uri="{FF2B5EF4-FFF2-40B4-BE49-F238E27FC236}">
+                <a16:creationId xmlns:a16="http://schemas.microsoft.com/office/drawing/2014/main" id="{0A42BDC7-8AFC-43A0-AF2B-0C4317B64BBE}"/>
               </a:ext>
             </a:extLst>
           </p:cNvPr>
@@ -3443,7 +3603,7 @@
           <p:nvPr/>
         </p:nvPicPr>
         <p:blipFill>
-          <a:blip r:embed="rId4">
+          <a:blip r:embed="rId5">
             <a:extLst>
               <a:ext uri="{28A0092B-C50C-407E-A947-70E740481C1C}">
                 <a14:useLocalDpi xmlns:a14="http://schemas.microsoft.com/office/drawing/2010/main" val="0"/>
@@ -3456,8 +3616,8 @@
         </p:blipFill>
         <p:spPr>
           <a:xfrm>
-            <a:off x="495576" y="3538427"/>
-            <a:ext cx="3818560" cy="2317273"/>
+            <a:off x="1614308" y="5396271"/>
+            <a:ext cx="4654553" cy="1328532"/>
           </a:xfrm>
           <a:prstGeom prst="rect">
             <a:avLst/>
@@ -3471,10 +3631,10 @@
       </p:pic>
       <p:pic>
         <p:nvPicPr>
-          <p:cNvPr id="11" name="Grafik 10">
-            <a:extLst>
-              <a:ext uri="{FF2B5EF4-FFF2-40B4-BE49-F238E27FC236}">
-                <a16:creationId xmlns:a16="http://schemas.microsoft.com/office/drawing/2014/main" id="{848B3B46-055D-4E6C-BFE5-B3269EB37544}"/>
+          <p:cNvPr id="32" name="Grafik 31">
+            <a:extLst>
+              <a:ext uri="{FF2B5EF4-FFF2-40B4-BE49-F238E27FC236}">
+                <a16:creationId xmlns:a16="http://schemas.microsoft.com/office/drawing/2014/main" id="{BBF132D1-0A2F-4D84-89CE-FE06786E8CA8}"/>
               </a:ext>
             </a:extLst>
           </p:cNvPr>
@@ -3483,21 +3643,22 @@
           </p:cNvPicPr>
           <p:nvPr/>
         </p:nvPicPr>
-        <p:blipFill rotWithShape="1">
-          <a:blip r:embed="rId5">
+        <p:blipFill>
+          <a:blip r:embed="rId6">
             <a:extLst>
               <a:ext uri="{28A0092B-C50C-407E-A947-70E740481C1C}">
                 <a14:useLocalDpi xmlns:a14="http://schemas.microsoft.com/office/drawing/2010/main" val="0"/>
               </a:ext>
             </a:extLst>
           </a:blip>
-          <a:srcRect b="14861"/>
-          <a:stretch/>
+          <a:stretch>
+            <a:fillRect/>
+          </a:stretch>
         </p:blipFill>
         <p:spPr>
           <a:xfrm>
-            <a:off x="1808801" y="5093515"/>
-            <a:ext cx="4213072" cy="1658977"/>
+            <a:off x="6717339" y="1754934"/>
+            <a:ext cx="4560449" cy="2512269"/>
           </a:xfrm>
           <a:prstGeom prst="rect">
             <a:avLst/>
@@ -3511,10 +3672,10 @@
       </p:pic>
       <p:pic>
         <p:nvPicPr>
-          <p:cNvPr id="13" name="Grafik 12">
-            <a:extLst>
-              <a:ext uri="{FF2B5EF4-FFF2-40B4-BE49-F238E27FC236}">
-                <a16:creationId xmlns:a16="http://schemas.microsoft.com/office/drawing/2014/main" id="{8259A707-E831-46C4-8AC0-C5150F91846A}"/>
+          <p:cNvPr id="34" name="Grafik 33">
+            <a:extLst>
+              <a:ext uri="{FF2B5EF4-FFF2-40B4-BE49-F238E27FC236}">
+                <a16:creationId xmlns:a16="http://schemas.microsoft.com/office/drawing/2014/main" id="{4A4B3826-59A0-4881-971C-852AAE019460}"/>
               </a:ext>
             </a:extLst>
           </p:cNvPr>
@@ -3524,7 +3685,7 @@
           <p:nvPr/>
         </p:nvPicPr>
         <p:blipFill>
-          <a:blip r:embed="rId6">
+          <a:blip r:embed="rId7">
             <a:extLst>
               <a:ext uri="{28A0092B-C50C-407E-A947-70E740481C1C}">
                 <a14:useLocalDpi xmlns:a14="http://schemas.microsoft.com/office/drawing/2010/main" val="0"/>
@@ -3537,8 +3698,8 @@
         </p:blipFill>
         <p:spPr>
           <a:xfrm>
-            <a:off x="6681866" y="1620460"/>
-            <a:ext cx="4090220" cy="2524175"/>
+            <a:off x="7715198" y="3681821"/>
+            <a:ext cx="4453178" cy="1329460"/>
           </a:xfrm>
           <a:prstGeom prst="rect">
             <a:avLst/>
@@ -3550,160 +3711,6 @@
           </a:ln>
         </p:spPr>
       </p:pic>
-      <p:pic>
-        <p:nvPicPr>
-          <p:cNvPr id="15" name="Grafik 14">
-            <a:extLst>
-              <a:ext uri="{FF2B5EF4-FFF2-40B4-BE49-F238E27FC236}">
-                <a16:creationId xmlns:a16="http://schemas.microsoft.com/office/drawing/2014/main" id="{28E97E47-130A-4DBA-9447-DE75C73D87E8}"/>
-              </a:ext>
-            </a:extLst>
-          </p:cNvPr>
-          <p:cNvPicPr>
-            <a:picLocks noChangeAspect="1"/>
-          </p:cNvPicPr>
-          <p:nvPr/>
-        </p:nvPicPr>
-        <p:blipFill rotWithShape="1">
-          <a:blip r:embed="rId7">
-            <a:extLst>
-              <a:ext uri="{28A0092B-C50C-407E-A947-70E740481C1C}">
-                <a14:useLocalDpi xmlns:a14="http://schemas.microsoft.com/office/drawing/2010/main" val="0"/>
-              </a:ext>
-            </a:extLst>
-          </a:blip>
-          <a:srcRect b="21206"/>
-          <a:stretch/>
-        </p:blipFill>
-        <p:spPr>
-          <a:xfrm>
-            <a:off x="7715197" y="3410084"/>
-            <a:ext cx="4443309" cy="1683431"/>
-          </a:xfrm>
-          <a:prstGeom prst="rect">
-            <a:avLst/>
-          </a:prstGeom>
-          <a:ln w="12700">
-            <a:solidFill>
-              <a:schemeClr val="accent1"/>
-            </a:solidFill>
-          </a:ln>
-        </p:spPr>
-      </p:pic>
-      <p:sp>
-        <p:nvSpPr>
-          <p:cNvPr id="16" name="Textfeld 15">
-            <a:extLst>
-              <a:ext uri="{FF2B5EF4-FFF2-40B4-BE49-F238E27FC236}">
-                <a16:creationId xmlns:a16="http://schemas.microsoft.com/office/drawing/2014/main" id="{7777D144-DA34-4BC1-81CA-70F696300996}"/>
-              </a:ext>
-            </a:extLst>
-          </p:cNvPr>
-          <p:cNvSpPr txBox="1"/>
-          <p:nvPr/>
-        </p:nvSpPr>
-        <p:spPr>
-          <a:xfrm>
-            <a:off x="26381" y="70335"/>
-            <a:ext cx="377026" cy="369332"/>
-          </a:xfrm>
-          <a:prstGeom prst="rect">
-            <a:avLst/>
-          </a:prstGeom>
-          <a:noFill/>
-        </p:spPr>
-        <p:txBody>
-          <a:bodyPr wrap="none" rtlCol="0">
-            <a:spAutoFit/>
-          </a:bodyPr>
-          <a:lstStyle/>
-          <a:p>
-            <a:r>
-              <a:rPr lang="de-CH" b="1" dirty="0">
-                <a:latin typeface="Arial" panose="020B0604020202020204" pitchFamily="34" charset="0"/>
-                <a:cs typeface="Arial" panose="020B0604020202020204" pitchFamily="34" charset="0"/>
-              </a:rPr>
-              <a:t>a.</a:t>
-            </a:r>
-          </a:p>
-        </p:txBody>
-      </p:sp>
-      <p:sp>
-        <p:nvSpPr>
-          <p:cNvPr id="17" name="Textfeld 16">
-            <a:extLst>
-              <a:ext uri="{FF2B5EF4-FFF2-40B4-BE49-F238E27FC236}">
-                <a16:creationId xmlns:a16="http://schemas.microsoft.com/office/drawing/2014/main" id="{5AAD0A50-B5A7-42BD-A44D-1DE368C0E36B}"/>
-              </a:ext>
-            </a:extLst>
-          </p:cNvPr>
-          <p:cNvSpPr txBox="1"/>
-          <p:nvPr/>
-        </p:nvSpPr>
-        <p:spPr>
-          <a:xfrm>
-            <a:off x="26381" y="3541968"/>
-            <a:ext cx="389850" cy="369332"/>
-          </a:xfrm>
-          <a:prstGeom prst="rect">
-            <a:avLst/>
-          </a:prstGeom>
-          <a:noFill/>
-        </p:spPr>
-        <p:txBody>
-          <a:bodyPr wrap="none" rtlCol="0">
-            <a:spAutoFit/>
-          </a:bodyPr>
-          <a:lstStyle/>
-          <a:p>
-            <a:r>
-              <a:rPr lang="de-CH" b="1" dirty="0">
-                <a:latin typeface="Arial" panose="020B0604020202020204" pitchFamily="34" charset="0"/>
-                <a:cs typeface="Arial" panose="020B0604020202020204" pitchFamily="34" charset="0"/>
-              </a:rPr>
-              <a:t>b.</a:t>
-            </a:r>
-          </a:p>
-        </p:txBody>
-      </p:sp>
-      <p:sp>
-        <p:nvSpPr>
-          <p:cNvPr id="18" name="Textfeld 17">
-            <a:extLst>
-              <a:ext uri="{FF2B5EF4-FFF2-40B4-BE49-F238E27FC236}">
-                <a16:creationId xmlns:a16="http://schemas.microsoft.com/office/drawing/2014/main" id="{FB4C5512-1DC2-42ED-9BE2-34B2E2848C1D}"/>
-              </a:ext>
-            </a:extLst>
-          </p:cNvPr>
-          <p:cNvSpPr txBox="1"/>
-          <p:nvPr/>
-        </p:nvSpPr>
-        <p:spPr>
-          <a:xfrm>
-            <a:off x="6268861" y="1620460"/>
-            <a:ext cx="377026" cy="369332"/>
-          </a:xfrm>
-          <a:prstGeom prst="rect">
-            <a:avLst/>
-          </a:prstGeom>
-          <a:noFill/>
-        </p:spPr>
-        <p:txBody>
-          <a:bodyPr wrap="none" rtlCol="0">
-            <a:spAutoFit/>
-          </a:bodyPr>
-          <a:lstStyle/>
-          <a:p>
-            <a:r>
-              <a:rPr lang="de-CH" b="1" dirty="0">
-                <a:latin typeface="Arial" panose="020B0604020202020204" pitchFamily="34" charset="0"/>
-                <a:cs typeface="Arial" panose="020B0604020202020204" pitchFamily="34" charset="0"/>
-              </a:rPr>
-              <a:t>c.</a:t>
-            </a:r>
-          </a:p>
-        </p:txBody>
-      </p:sp>
     </p:spTree>
     <p:extLst>
       <p:ext uri="{BB962C8B-B14F-4D97-AF65-F5344CB8AC3E}">
